--- a/files/empty.pptx
+++ b/files/empty.pptx
@@ -770,7 +770,7 @@
           <a:p>
             <a:pPr algn="ctr"/>
             <a:r>
-              <a:t>Created with Aspose.Slides for .NET Standard 2.0 19.11.</a:t>
+              <a:t/>
             </a:r>
           </a:p>
           <a:p>

--- a/files/empty.pptx
+++ b/files/empty.pptx
@@ -764,7 +764,7 @@
           <a:p>
             <a:pPr algn="ctr"/>
             <a:r>
-              <a:t>Evaluation only.</a:t>
+              <a:t/>
             </a:r>
           </a:p>
           <a:p>
@@ -776,7 +776,7 @@
           <a:p>
             <a:pPr algn="ctr"/>
             <a:r>
-              <a:t>Copyright 2004-2019Aspose Pty Ltd.</a:t>
+              <a:t/>
             </a:r>
           </a:p>
         </p:txBody>

--- a/files/empty.pptx
+++ b/files/empty.pptx
@@ -761,12 +761,6 @@
               </a:defRPr>
             </a:lvl1pPr>
           </a:lstStyle>
-          <a:p>
-            <a:pPr algn="ctr"/>
-            <a:r>
-              <a:t/>
-            </a:r>
-          </a:p>
           <a:p>
             <a:pPr algn="ctr"/>
             <a:r>
